--- a/Рабочие материалы/Зачет Plathelminthes.pptx
+++ b/Рабочие материалы/Зачет Plathelminthes.pptx
@@ -5,23 +5,22 @@
     <p:sldMasterId id="2147483648" r:id="rId1"/>
   </p:sldMasterIdLst>
   <p:notesMasterIdLst>
-    <p:notesMasterId r:id="rId11"/>
+    <p:notesMasterId r:id="rId9"/>
   </p:notesMasterIdLst>
   <p:handoutMasterIdLst>
-    <p:handoutMasterId r:id="rId12"/>
+    <p:handoutMasterId r:id="rId10"/>
   </p:handoutMasterIdLst>
   <p:sldIdLst>
-    <p:sldId id="256" r:id="rId3"/>
-    <p:sldId id="257" r:id="rId4"/>
-    <p:sldId id="258" r:id="rId5"/>
-    <p:sldId id="259" r:id="rId6"/>
-    <p:sldId id="260" r:id="rId7"/>
-    <p:sldId id="262" r:id="rId8"/>
-    <p:sldId id="263" r:id="rId9"/>
-    <p:sldId id="265" r:id="rId10"/>
+    <p:sldId id="257" r:id="rId2"/>
+    <p:sldId id="258" r:id="rId3"/>
+    <p:sldId id="259" r:id="rId4"/>
+    <p:sldId id="260" r:id="rId5"/>
+    <p:sldId id="262" r:id="rId6"/>
+    <p:sldId id="263" r:id="rId7"/>
+    <p:sldId id="265" r:id="rId8"/>
   </p:sldIdLst>
   <p:sldSz cx="12192000" cy="6858000"/>
-  <p:notesSz cx="7103745" cy="10234295"/>
+  <p:notesSz cx="7104063" cy="10234613"/>
   <p:defaultTextStyle>
     <a:defPPr>
       <a:defRPr lang="zh-CN"/>
@@ -117,6 +116,22 @@
       </a:defRPr>
     </a:lvl9pPr>
   </p:defaultTextStyle>
+  <p:extLst>
+    <p:ext uri="{EFAFB233-063F-42B5-8137-9DF3F51BA10A}">
+      <p15:sldGuideLst xmlns:p15="http://schemas.microsoft.com/office/powerpoint/2012/main">
+        <p15:guide id="1" orient="horz" pos="2238">
+          <p15:clr>
+            <a:srgbClr val="A4A3A4"/>
+          </p15:clr>
+        </p15:guide>
+        <p15:guide id="2" pos="3840">
+          <p15:clr>
+            <a:srgbClr val="A4A3A4"/>
+          </p15:clr>
+        </p15:guide>
+      </p15:sldGuideLst>
+    </p:ext>
+  </p:extLst>
 </p:presentation>
 </file>
 
@@ -202,6 +217,7 @@
           <a:p>
             <a:fld id="{0F9B84EA-7D68-4D60-9CB1-D50884785D1C}" type="datetimeFigureOut">
               <a:rPr lang="en-US" smtClean="0"/>
+              <a:t>10/26/2022</a:t>
             </a:fld>
             <a:endParaRPr lang="en-US"/>
           </a:p>
@@ -267,6 +283,7 @@
           <a:p>
             <a:fld id="{8D4E0FC9-F1F8-4FAE-9988-3BA365CFD46F}" type="slidenum">
               <a:rPr lang="en-US" smtClean="0"/>
+              <a:t>‹#›</a:t>
             </a:fld>
             <a:endParaRPr lang="en-US"/>
           </a:p>
@@ -360,6 +377,7 @@
           <a:p>
             <a:fld id="{D6C8D182-E4C8-4120-9249-FC9774456FFA}" type="datetimeFigureOut">
               <a:rPr lang="en-US" smtClean="0"/>
+              <a:t>10/26/2022</a:t>
             </a:fld>
             <a:endParaRPr lang="en-US"/>
           </a:p>
@@ -426,7 +444,6 @@
               <a:rPr lang="en-US"/>
               <a:t>Edit Master text styles</a:t>
             </a:r>
-            <a:endParaRPr lang="en-US"/>
           </a:p>
           <a:p>
             <a:pPr lvl="1"/>
@@ -434,7 +451,6 @@
               <a:rPr lang="en-US"/>
               <a:t>Second level</a:t>
             </a:r>
-            <a:endParaRPr lang="en-US"/>
           </a:p>
           <a:p>
             <a:pPr lvl="2"/>
@@ -442,7 +458,6 @@
               <a:rPr lang="en-US"/>
               <a:t>Third level</a:t>
             </a:r>
-            <a:endParaRPr lang="en-US"/>
           </a:p>
           <a:p>
             <a:pPr lvl="3"/>
@@ -450,7 +465,6 @@
               <a:rPr lang="en-US"/>
               <a:t>Fourth level</a:t>
             </a:r>
-            <a:endParaRPr lang="en-US"/>
           </a:p>
           <a:p>
             <a:pPr lvl="4"/>
@@ -458,7 +472,6 @@
               <a:rPr lang="en-US"/>
               <a:t>Fifth level</a:t>
             </a:r>
-            <a:endParaRPr lang="en-US"/>
           </a:p>
         </p:txBody>
       </p:sp>
@@ -522,6 +535,7 @@
           <a:p>
             <a:fld id="{85D0DACE-38E0-42D2-9336-2B707D34BC6D}" type="slidenum">
               <a:rPr lang="en-US" smtClean="0"/>
+              <a:t>‹#›</a:t>
             </a:fld>
             <a:endParaRPr lang="en-US"/>
           </a:p>
@@ -699,6 +713,7 @@
           <a:p>
             <a:fld id="{760FBDFE-C587-4B4C-A407-44438C67B59E}" type="datetimeFigureOut">
               <a:rPr lang="en-US" smtClean="0"/>
+              <a:t>10/26/2022</a:t>
             </a:fld>
             <a:endParaRPr lang="en-US"/>
           </a:p>
@@ -740,6 +755,7 @@
           <a:p>
             <a:fld id="{49AE70B2-8BF9-45C0-BB95-33D1B9D3A854}" type="slidenum">
               <a:rPr lang="en-US" smtClean="0"/>
+              <a:t>‹#›</a:t>
             </a:fld>
             <a:endParaRPr lang="en-US"/>
           </a:p>
@@ -864,6 +880,7 @@
           <a:p>
             <a:fld id="{760FBDFE-C587-4B4C-A407-44438C67B59E}" type="datetimeFigureOut">
               <a:rPr lang="en-US" smtClean="0"/>
+              <a:t>10/26/2022</a:t>
             </a:fld>
             <a:endParaRPr lang="en-US"/>
           </a:p>
@@ -905,6 +922,7 @@
           <a:p>
             <a:fld id="{49AE70B2-8BF9-45C0-BB95-33D1B9D3A854}" type="slidenum">
               <a:rPr lang="en-US" smtClean="0"/>
+              <a:t>‹#›</a:t>
             </a:fld>
             <a:endParaRPr lang="en-US"/>
           </a:p>
@@ -1131,7 +1149,6 @@
               <a:rPr lang="en-US" dirty="0" smtClean="0"/>
               <a:t>Click to edit Master text styles</a:t>
             </a:r>
-            <a:endParaRPr lang="en-US" dirty="0" smtClean="0"/>
           </a:p>
           <a:p>
             <a:pPr lvl="1"/>
@@ -1139,7 +1156,6 @@
               <a:rPr lang="en-US" dirty="0"/>
               <a:t>Second level </a:t>
             </a:r>
-            <a:endParaRPr lang="en-US" dirty="0"/>
           </a:p>
           <a:p>
             <a:pPr lvl="2"/>
@@ -1147,7 +1163,6 @@
               <a:rPr lang="en-US" dirty="0"/>
               <a:t>Third level</a:t>
             </a:r>
-            <a:endParaRPr lang="en-US" dirty="0"/>
           </a:p>
           <a:p>
             <a:pPr lvl="3"/>
@@ -1155,7 +1170,6 @@
               <a:rPr lang="en-US" dirty="0"/>
               <a:t>Fourth level</a:t>
             </a:r>
-            <a:endParaRPr lang="en-US" dirty="0"/>
           </a:p>
           <a:p>
             <a:pPr lvl="4"/>
@@ -1163,7 +1177,6 @@
               <a:rPr lang="en-US" dirty="0"/>
               <a:t>Fifth level</a:t>
             </a:r>
-            <a:endParaRPr lang="en-US" dirty="0"/>
           </a:p>
         </p:txBody>
       </p:sp>
@@ -1184,6 +1197,7 @@
           <a:p>
             <a:fld id="{760FBDFE-C587-4B4C-A407-44438C67B59E}" type="datetimeFigureOut">
               <a:rPr lang="en-US" smtClean="0"/>
+              <a:t>10/26/2022</a:t>
             </a:fld>
             <a:endParaRPr lang="en-US"/>
           </a:p>
@@ -1225,6 +1239,7 @@
           <a:p>
             <a:fld id="{49AE70B2-8BF9-45C0-BB95-33D1B9D3A854}" type="slidenum">
               <a:rPr lang="en-US" smtClean="0"/>
+              <a:t>‹#›</a:t>
             </a:fld>
             <a:endParaRPr lang="en-US"/>
           </a:p>
@@ -1289,9 +1304,6 @@
               </a:rPr>
               <a:t>Click to edit Master title style</a:t>
             </a:r>
-            <a:endParaRPr lang="en-US" dirty="0" smtClean="0">
-              <a:sym typeface="+mn-ea"/>
-            </a:endParaRPr>
           </a:p>
         </p:txBody>
       </p:sp>
@@ -1413,7 +1425,6 @@
               <a:rPr lang="en-US" dirty="0"/>
               <a:t>Click to edit Master text styles</a:t>
             </a:r>
-            <a:endParaRPr lang="en-US" dirty="0"/>
           </a:p>
         </p:txBody>
       </p:sp>
@@ -1434,6 +1445,7 @@
           <a:p>
             <a:fld id="{760FBDFE-C587-4B4C-A407-44438C67B59E}" type="datetimeFigureOut">
               <a:rPr lang="en-US" smtClean="0"/>
+              <a:t>10/26/2022</a:t>
             </a:fld>
             <a:endParaRPr lang="en-US"/>
           </a:p>
@@ -1475,6 +1487,7 @@
           <a:p>
             <a:fld id="{49AE70B2-8BF9-45C0-BB95-33D1B9D3A854}" type="slidenum">
               <a:rPr lang="en-US" smtClean="0"/>
+              <a:t>‹#›</a:t>
             </a:fld>
             <a:endParaRPr lang="en-US"/>
           </a:p>
@@ -1646,7 +1659,6 @@
               <a:rPr lang="en-US" dirty="0"/>
               <a:t>Click to edit Master text styles</a:t>
             </a:r>
-            <a:endParaRPr lang="en-US" dirty="0"/>
           </a:p>
           <a:p>
             <a:pPr lvl="1"/>
@@ -1654,7 +1666,6 @@
               <a:rPr lang="en-US" dirty="0"/>
               <a:t>Second level</a:t>
             </a:r>
-            <a:endParaRPr lang="en-US" dirty="0"/>
           </a:p>
           <a:p>
             <a:pPr lvl="2"/>
@@ -1662,7 +1673,6 @@
               <a:rPr lang="en-US" dirty="0"/>
               <a:t>Third level</a:t>
             </a:r>
-            <a:endParaRPr lang="en-US" dirty="0"/>
           </a:p>
           <a:p>
             <a:pPr lvl="3"/>
@@ -1670,7 +1680,6 @@
               <a:rPr lang="en-US" dirty="0"/>
               <a:t>Fourth level</a:t>
             </a:r>
-            <a:endParaRPr lang="en-US" dirty="0"/>
           </a:p>
           <a:p>
             <a:pPr lvl="4"/>
@@ -1678,7 +1687,6 @@
               <a:rPr lang="en-US" dirty="0"/>
               <a:t>Fifth level</a:t>
             </a:r>
-            <a:endParaRPr lang="en-US" dirty="0"/>
           </a:p>
         </p:txBody>
       </p:sp>
@@ -1778,7 +1786,6 @@
               <a:rPr lang="en-US" dirty="0"/>
               <a:t>Click to edit Master text styles</a:t>
             </a:r>
-            <a:endParaRPr lang="en-US" dirty="0"/>
           </a:p>
           <a:p>
             <a:pPr lvl="1"/>
@@ -1839,6 +1846,7 @@
           <a:p>
             <a:fld id="{760FBDFE-C587-4B4C-A407-44438C67B59E}" type="datetimeFigureOut">
               <a:rPr lang="en-US" smtClean="0"/>
+              <a:t>10/26/2022</a:t>
             </a:fld>
             <a:endParaRPr lang="en-US"/>
           </a:p>
@@ -1880,6 +1888,7 @@
           <a:p>
             <a:fld id="{49AE70B2-8BF9-45C0-BB95-33D1B9D3A854}" type="slidenum">
               <a:rPr lang="en-US" smtClean="0"/>
+              <a:t>‹#›</a:t>
             </a:fld>
             <a:endParaRPr lang="en-US"/>
           </a:p>
@@ -2009,7 +2018,6 @@
               <a:rPr lang="en-US" dirty="0"/>
               <a:t>Click to edit Master text styles</a:t>
             </a:r>
-            <a:endParaRPr lang="en-US" dirty="0"/>
           </a:p>
         </p:txBody>
       </p:sp>
@@ -2038,7 +2046,6 @@
               <a:rPr lang="en-US" dirty="0"/>
               <a:t>Click to edit Master text styles</a:t>
             </a:r>
-            <a:endParaRPr lang="en-US" dirty="0"/>
           </a:p>
           <a:p>
             <a:pPr lvl="1"/>
@@ -2046,7 +2053,6 @@
               <a:rPr lang="en-US" dirty="0"/>
               <a:t>Second level</a:t>
             </a:r>
-            <a:endParaRPr lang="en-US" dirty="0"/>
           </a:p>
           <a:p>
             <a:pPr lvl="2"/>
@@ -2054,7 +2060,6 @@
               <a:rPr lang="en-US" dirty="0"/>
               <a:t>Third level</a:t>
             </a:r>
-            <a:endParaRPr lang="en-US" dirty="0"/>
           </a:p>
           <a:p>
             <a:pPr lvl="3"/>
@@ -2062,7 +2067,6 @@
               <a:rPr lang="en-US" dirty="0"/>
               <a:t>Fourth level</a:t>
             </a:r>
-            <a:endParaRPr lang="en-US" dirty="0"/>
           </a:p>
           <a:p>
             <a:pPr lvl="4"/>
@@ -2070,7 +2074,6 @@
               <a:rPr lang="en-US" dirty="0"/>
               <a:t>Fifth level</a:t>
             </a:r>
-            <a:endParaRPr lang="en-US" dirty="0"/>
           </a:p>
         </p:txBody>
       </p:sp>
@@ -2139,7 +2142,6 @@
               <a:rPr lang="en-US" dirty="0"/>
               <a:t>Click to edit Master text styles</a:t>
             </a:r>
-            <a:endParaRPr lang="en-US" dirty="0"/>
           </a:p>
         </p:txBody>
       </p:sp>
@@ -2178,7 +2180,6 @@
               <a:rPr lang="en-US" dirty="0"/>
               <a:t>Second level</a:t>
             </a:r>
-            <a:endParaRPr lang="en-US" dirty="0"/>
           </a:p>
           <a:p>
             <a:pPr lvl="2"/>
@@ -2186,7 +2187,6 @@
               <a:rPr lang="en-US" dirty="0"/>
               <a:t>Third level</a:t>
             </a:r>
-            <a:endParaRPr lang="en-US" dirty="0"/>
           </a:p>
           <a:p>
             <a:pPr lvl="3"/>
@@ -2194,7 +2194,6 @@
               <a:rPr lang="en-US" dirty="0"/>
               <a:t>Fourth level</a:t>
             </a:r>
-            <a:endParaRPr lang="en-US" dirty="0"/>
           </a:p>
           <a:p>
             <a:pPr lvl="4"/>
@@ -2202,7 +2201,6 @@
               <a:rPr lang="en-US" dirty="0"/>
               <a:t>Fifth level</a:t>
             </a:r>
-            <a:endParaRPr lang="en-US" dirty="0"/>
           </a:p>
         </p:txBody>
       </p:sp>
@@ -2223,6 +2221,7 @@
           <a:p>
             <a:fld id="{760FBDFE-C587-4B4C-A407-44438C67B59E}" type="datetimeFigureOut">
               <a:rPr lang="en-US" smtClean="0"/>
+              <a:t>10/26/2022</a:t>
             </a:fld>
             <a:endParaRPr lang="en-US"/>
           </a:p>
@@ -2264,6 +2263,7 @@
           <a:p>
             <a:fld id="{49AE70B2-8BF9-45C0-BB95-33D1B9D3A854}" type="slidenum">
               <a:rPr lang="en-US" smtClean="0"/>
+              <a:t>‹#›</a:t>
             </a:fld>
             <a:endParaRPr lang="en-US"/>
           </a:p>
@@ -2328,7 +2328,6 @@
               <a:rPr lang="en-US" dirty="0"/>
               <a:t>Click to edit Master title style</a:t>
             </a:r>
-            <a:endParaRPr lang="en-US" dirty="0"/>
           </a:p>
         </p:txBody>
       </p:sp>
@@ -2349,6 +2348,7 @@
           <a:p>
             <a:fld id="{760FBDFE-C587-4B4C-A407-44438C67B59E}" type="datetimeFigureOut">
               <a:rPr lang="en-US" smtClean="0"/>
+              <a:t>10/26/2022</a:t>
             </a:fld>
             <a:endParaRPr lang="en-US"/>
           </a:p>
@@ -2390,6 +2390,7 @@
           <a:p>
             <a:fld id="{49AE70B2-8BF9-45C0-BB95-33D1B9D3A854}" type="slidenum">
               <a:rPr lang="en-US" smtClean="0"/>
+              <a:t>‹#›</a:t>
             </a:fld>
             <a:endParaRPr lang="en-US"/>
           </a:p>
@@ -2437,6 +2438,7 @@
           <a:p>
             <a:fld id="{760FBDFE-C587-4B4C-A407-44438C67B59E}" type="datetimeFigureOut">
               <a:rPr lang="en-US" smtClean="0"/>
+              <a:t>10/26/2022</a:t>
             </a:fld>
             <a:endParaRPr lang="en-US"/>
           </a:p>
@@ -2478,6 +2480,7 @@
           <a:p>
             <a:fld id="{49AE70B2-8BF9-45C0-BB95-33D1B9D3A854}" type="slidenum">
               <a:rPr lang="en-US" smtClean="0"/>
+              <a:t>‹#›</a:t>
             </a:fld>
             <a:endParaRPr lang="en-US"/>
           </a:p>
@@ -2542,7 +2545,6 @@
               <a:rPr lang="en-US" dirty="0"/>
               <a:t>Click to edit Master title style</a:t>
             </a:r>
-            <a:endParaRPr lang="en-US" dirty="0"/>
           </a:p>
         </p:txBody>
       </p:sp>
@@ -2674,7 +2676,6 @@
               <a:rPr lang="en-US" dirty="0"/>
               <a:t>Click to edit Master text styles</a:t>
             </a:r>
-            <a:endParaRPr lang="en-US" dirty="0"/>
           </a:p>
         </p:txBody>
       </p:sp>
@@ -2695,6 +2696,7 @@
           <a:p>
             <a:fld id="{9EFD9D74-47D9-4702-A33C-335B63B48DBF}" type="datetimeFigureOut">
               <a:rPr lang="en-US" smtClean="0"/>
+              <a:t>10/26/2022</a:t>
             </a:fld>
             <a:endParaRPr lang="en-US" dirty="0"/>
           </a:p>
@@ -2736,6 +2738,7 @@
           <a:p>
             <a:fld id="{FABC47A4-756D-490B-A52F-7D9E2C9FC05F}" type="slidenum">
               <a:rPr lang="en-US" smtClean="0"/>
+              <a:t>‹#›</a:t>
             </a:fld>
             <a:endParaRPr lang="en-US"/>
           </a:p>
@@ -2796,7 +2799,6 @@
               <a:rPr lang="en-US"/>
               <a:t>Click to edit Master title style</a:t>
             </a:r>
-            <a:endParaRPr lang="en-US"/>
           </a:p>
         </p:txBody>
       </p:sp>
@@ -2825,7 +2827,6 @@
               <a:rPr lang="en-US" dirty="0"/>
               <a:t>Click to edit Master text styles</a:t>
             </a:r>
-            <a:endParaRPr lang="en-US" dirty="0"/>
           </a:p>
           <a:p>
             <a:pPr lvl="1"/>
@@ -2833,7 +2834,6 @@
               <a:rPr lang="en-US" dirty="0"/>
               <a:t>Second level</a:t>
             </a:r>
-            <a:endParaRPr lang="en-US" dirty="0"/>
           </a:p>
           <a:p>
             <a:pPr lvl="2"/>
@@ -2841,7 +2841,6 @@
               <a:rPr lang="en-US" dirty="0"/>
               <a:t>Third level</a:t>
             </a:r>
-            <a:endParaRPr lang="en-US" dirty="0"/>
           </a:p>
           <a:p>
             <a:pPr lvl="3"/>
@@ -2849,7 +2848,6 @@
               <a:rPr lang="en-US" dirty="0"/>
               <a:t>Fourth level</a:t>
             </a:r>
-            <a:endParaRPr lang="en-US" dirty="0"/>
           </a:p>
           <a:p>
             <a:pPr lvl="4"/>
@@ -2857,7 +2855,6 @@
               <a:rPr lang="en-US" dirty="0"/>
               <a:t>Fifth level</a:t>
             </a:r>
-            <a:endParaRPr lang="en-US" dirty="0"/>
           </a:p>
         </p:txBody>
       </p:sp>
@@ -2878,6 +2875,7 @@
           <a:p>
             <a:fld id="{760FBDFE-C587-4B4C-A407-44438C67B59E}" type="datetimeFigureOut">
               <a:rPr lang="en-US" smtClean="0"/>
+              <a:t>10/26/2022</a:t>
             </a:fld>
             <a:endParaRPr lang="en-US"/>
           </a:p>
@@ -2919,6 +2917,7 @@
           <a:p>
             <a:fld id="{49AE70B2-8BF9-45C0-BB95-33D1B9D3A854}" type="slidenum">
               <a:rPr lang="en-US" smtClean="0"/>
+              <a:t>‹#›</a:t>
             </a:fld>
             <a:endParaRPr lang="en-US"/>
           </a:p>
@@ -3035,7 +3034,6 @@
               <a:rPr lang="en-US" dirty="0" smtClean="0"/>
               <a:t>Click to edit Master text styles</a:t>
             </a:r>
-            <a:endParaRPr lang="en-US" dirty="0" smtClean="0"/>
           </a:p>
           <a:p>
             <a:pPr lvl="1"/>
@@ -3043,7 +3041,6 @@
               <a:rPr lang="en-US" dirty="0" smtClean="0"/>
               <a:t>Second level</a:t>
             </a:r>
-            <a:endParaRPr lang="en-US" dirty="0" smtClean="0"/>
           </a:p>
           <a:p>
             <a:pPr lvl="2"/>
@@ -3108,6 +3105,7 @@
           <a:p>
             <a:fld id="{760FBDFE-C587-4B4C-A407-44438C67B59E}" type="datetimeFigureOut">
               <a:rPr lang="en-US" smtClean="0"/>
+              <a:t>10/26/2022</a:t>
             </a:fld>
             <a:endParaRPr lang="en-US" dirty="0"/>
           </a:p>
@@ -3193,6 +3191,7 @@
           <a:p>
             <a:fld id="{49AE70B2-8BF9-45C0-BB95-33D1B9D3A854}" type="slidenum">
               <a:rPr lang="en-US" smtClean="0"/>
+              <a:t>‹#›</a:t>
             </a:fld>
             <a:endParaRPr lang="en-US" dirty="0"/>
           </a:p>
@@ -3523,66 +3522,6 @@
       </p:grpSpPr>
       <p:sp>
         <p:nvSpPr>
-          <p:cNvPr id="2" name="Title 1"/>
-          <p:cNvSpPr>
-            <a:spLocks noGrp="1"/>
-          </p:cNvSpPr>
-          <p:nvPr>
-            <p:ph type="ctrTitle"/>
-          </p:nvPr>
-        </p:nvSpPr>
-        <p:spPr/>
-        <p:txBody>
-          <a:bodyPr/>
-          <a:lstStyle/>
-          <a:p>
-            <a:r>
-              <a:rPr lang="ru-RU" altLang="en-US"/>
-              <a:t>Часть 1</a:t>
-            </a:r>
-            <a:endParaRPr lang="ru-RU" altLang="en-US"/>
-          </a:p>
-        </p:txBody>
-      </p:sp>
-      <p:sp>
-        <p:nvSpPr>
-          <p:cNvPr id="5" name="Subtitle 4"/>
-          <p:cNvSpPr>
-            <a:spLocks noGrp="1"/>
-          </p:cNvSpPr>
-          <p:nvPr>
-            <p:ph type="subTitle" idx="1"/>
-          </p:nvPr>
-        </p:nvSpPr>
-        <p:spPr/>
-        <p:txBody>
-          <a:bodyPr/>
-          <a:lstStyle/>
-          <a:p>
-            <a:endParaRPr lang="en-US"/>
-          </a:p>
-        </p:txBody>
-      </p:sp>
-    </p:spTree>
-  </p:cSld>
-  <p:clrMapOvr>
-    <a:masterClrMapping/>
-  </p:clrMapOvr>
-</p:sld>
-</file>
-
-<file path=ppt/slides/slide2.xml><?xml version="1.0" encoding="utf-8"?>
-<p:sld xmlns:a="http://schemas.openxmlformats.org/drawingml/2006/main" xmlns:r="http://schemas.openxmlformats.org/officeDocument/2006/relationships" xmlns:p="http://schemas.openxmlformats.org/presentationml/2006/main">
-  <p:cSld>
-    <p:spTree>
-      <p:nvGrpSpPr>
-        <p:cNvPr id="1" name=""/>
-        <p:cNvGrpSpPr/>
-        <p:nvPr/>
-      </p:nvGrpSpPr>
-      <p:grpSpPr/>
-      <p:sp>
-        <p:nvSpPr>
           <p:cNvPr id="2" name="Заголовок 1"/>
           <p:cNvSpPr>
             <a:spLocks noGrp="1"/>
@@ -3601,13 +3540,13 @@
           <a:bodyPr>
             <a:normAutofit/>
           </a:bodyPr>
+          <a:lstStyle/>
           <a:p>
             <a:pPr algn="ctr"/>
             <a:r>
               <a:rPr lang="ru-RU" altLang="en-US"/>
               <a:t>Подпишите части тела</a:t>
             </a:r>
-            <a:endParaRPr lang="ru-RU" altLang="en-US"/>
           </a:p>
         </p:txBody>
       </p:sp>
@@ -3615,14 +3554,14 @@
         <p:nvPicPr>
           <p:cNvPr id="7" name="Замещающее содержимое 6"/>
           <p:cNvPicPr>
-            <a:picLocks noChangeAspect="1"/>
+            <a:picLocks noGrp="1" noChangeAspect="1"/>
           </p:cNvPicPr>
           <p:nvPr>
             <p:ph idx="1"/>
           </p:nvPr>
         </p:nvPicPr>
         <p:blipFill>
-          <a:blip r:embed="rId1"/>
+          <a:blip r:embed="rId2"/>
           <a:stretch>
             <a:fillRect/>
           </a:stretch>
@@ -3856,7 +3795,7 @@
           <p:nvPr/>
         </p:nvPicPr>
         <p:blipFill>
-          <a:blip r:embed="rId2"/>
+          <a:blip r:embed="rId3"/>
           <a:srcRect l="64534" t="-760" r="-1332" b="11536"/>
           <a:stretch>
             <a:fillRect/>
@@ -3896,12 +3835,12 @@
           <a:bodyPr wrap="square" rtlCol="0">
             <a:spAutoFit/>
           </a:bodyPr>
+          <a:lstStyle/>
           <a:p>
             <a:r>
               <a:rPr lang="ru-RU" altLang="en-US"/>
               <a:t>На этом рисунке найдите части, подписанные на левом рисунке</a:t>
             </a:r>
-            <a:endParaRPr lang="ru-RU" altLang="en-US"/>
           </a:p>
         </p:txBody>
       </p:sp>
@@ -3910,6 +3849,312 @@
   <p:clrMapOvr>
     <a:masterClrMapping/>
   </p:clrMapOvr>
+  <p:timing>
+    <p:tnLst>
+      <p:par>
+        <p:cTn id="1" dur="indefinite" restart="never" nodeType="tmRoot"/>
+      </p:par>
+    </p:tnLst>
+  </p:timing>
+</p:sld>
+</file>
+
+<file path=ppt/slides/slide2.xml><?xml version="1.0" encoding="utf-8"?>
+<p:sld xmlns:a="http://schemas.openxmlformats.org/drawingml/2006/main" xmlns:r="http://schemas.openxmlformats.org/officeDocument/2006/relationships" xmlns:p="http://schemas.openxmlformats.org/presentationml/2006/main">
+  <p:cSld>
+    <p:spTree>
+      <p:nvGrpSpPr>
+        <p:cNvPr id="1" name=""/>
+        <p:cNvGrpSpPr/>
+        <p:nvPr/>
+      </p:nvGrpSpPr>
+      <p:grpSpPr>
+        <a:xfrm>
+          <a:off x="0" y="0"/>
+          <a:ext cx="0" cy="0"/>
+          <a:chOff x="0" y="0"/>
+          <a:chExt cx="0" cy="0"/>
+        </a:xfrm>
+      </p:grpSpPr>
+      <p:sp>
+        <p:nvSpPr>
+          <p:cNvPr id="2" name="Заголовок 1"/>
+          <p:cNvSpPr>
+            <a:spLocks noGrp="1"/>
+          </p:cNvSpPr>
+          <p:nvPr>
+            <p:ph type="title"/>
+          </p:nvPr>
+        </p:nvSpPr>
+        <p:spPr>
+          <a:xfrm>
+            <a:off x="647700" y="0"/>
+            <a:ext cx="10515600" cy="798830"/>
+          </a:xfrm>
+        </p:spPr>
+        <p:txBody>
+          <a:bodyPr>
+            <a:normAutofit/>
+          </a:bodyPr>
+          <a:lstStyle/>
+          <a:p>
+            <a:r>
+              <a:rPr lang="ru-RU" altLang="en-US"/>
+              <a:t>Подпишите названия стадий</a:t>
+            </a:r>
+          </a:p>
+        </p:txBody>
+      </p:sp>
+      <p:pic>
+        <p:nvPicPr>
+          <p:cNvPr id="5" name="Изображение 4"/>
+          <p:cNvPicPr>
+            <a:picLocks noChangeAspect="1"/>
+          </p:cNvPicPr>
+          <p:nvPr/>
+        </p:nvPicPr>
+        <p:blipFill>
+          <a:blip r:embed="rId2"/>
+          <a:stretch>
+            <a:fillRect/>
+          </a:stretch>
+        </p:blipFill>
+        <p:spPr>
+          <a:xfrm rot="5400000">
+            <a:off x="-65405" y="2011680"/>
+            <a:ext cx="2992120" cy="1723390"/>
+          </a:xfrm>
+          <a:prstGeom prst="rect">
+            <a:avLst/>
+          </a:prstGeom>
+        </p:spPr>
+      </p:pic>
+      <p:pic>
+        <p:nvPicPr>
+          <p:cNvPr id="100" name="Замещающее содержимое 99"/>
+          <p:cNvPicPr>
+            <a:picLocks noGrp="1"/>
+          </p:cNvPicPr>
+          <p:nvPr>
+            <p:ph idx="1"/>
+          </p:nvPr>
+        </p:nvPicPr>
+        <p:blipFill>
+          <a:blip r:embed="rId3"/>
+          <a:srcRect t="20035" r="44994" b="3517"/>
+          <a:stretch>
+            <a:fillRect/>
+          </a:stretch>
+        </p:blipFill>
+        <p:spPr>
+          <a:xfrm>
+            <a:off x="2410460" y="1377315"/>
+            <a:ext cx="2969260" cy="1775460"/>
+          </a:xfrm>
+          <a:prstGeom prst="rect">
+            <a:avLst/>
+          </a:prstGeom>
+          <a:noFill/>
+          <a:ln w="9525">
+            <a:noFill/>
+          </a:ln>
+        </p:spPr>
+      </p:pic>
+      <p:pic>
+        <p:nvPicPr>
+          <p:cNvPr id="101" name="Изображение 100"/>
+          <p:cNvPicPr/>
+          <p:nvPr/>
+        </p:nvPicPr>
+        <p:blipFill>
+          <a:blip r:embed="rId4"/>
+          <a:srcRect l="16496" b="46451"/>
+          <a:stretch>
+            <a:fillRect/>
+          </a:stretch>
+        </p:blipFill>
+        <p:spPr>
+          <a:xfrm>
+            <a:off x="8902065" y="5022850"/>
+            <a:ext cx="2375535" cy="1523365"/>
+          </a:xfrm>
+          <a:prstGeom prst="rect">
+            <a:avLst/>
+          </a:prstGeom>
+          <a:noFill/>
+          <a:ln w="9525">
+            <a:noFill/>
+          </a:ln>
+        </p:spPr>
+      </p:pic>
+      <p:pic>
+        <p:nvPicPr>
+          <p:cNvPr id="102" name="Изображение 101"/>
+          <p:cNvPicPr/>
+          <p:nvPr/>
+        </p:nvPicPr>
+        <p:blipFill>
+          <a:blip r:embed="rId5"/>
+          <a:stretch>
+            <a:fillRect/>
+          </a:stretch>
+        </p:blipFill>
+        <p:spPr>
+          <a:xfrm>
+            <a:off x="8835390" y="2540000"/>
+            <a:ext cx="2327910" cy="2327910"/>
+          </a:xfrm>
+          <a:prstGeom prst="rect">
+            <a:avLst/>
+          </a:prstGeom>
+          <a:noFill/>
+          <a:ln w="9525">
+            <a:noFill/>
+          </a:ln>
+        </p:spPr>
+      </p:pic>
+      <p:pic>
+        <p:nvPicPr>
+          <p:cNvPr id="103" name="Изображение 102"/>
+          <p:cNvPicPr/>
+          <p:nvPr/>
+        </p:nvPicPr>
+        <p:blipFill>
+          <a:blip r:embed="rId6"/>
+          <a:stretch>
+            <a:fillRect/>
+          </a:stretch>
+        </p:blipFill>
+        <p:spPr>
+          <a:xfrm>
+            <a:off x="5483225" y="1377315"/>
+            <a:ext cx="2423795" cy="2423795"/>
+          </a:xfrm>
+          <a:prstGeom prst="rect">
+            <a:avLst/>
+          </a:prstGeom>
+          <a:noFill/>
+          <a:ln w="9525">
+            <a:noFill/>
+          </a:ln>
+        </p:spPr>
+      </p:pic>
+      <p:pic>
+        <p:nvPicPr>
+          <p:cNvPr id="105" name="Изображение 104"/>
+          <p:cNvPicPr/>
+          <p:nvPr/>
+        </p:nvPicPr>
+        <p:blipFill>
+          <a:blip r:embed="rId7"/>
+          <a:stretch>
+            <a:fillRect/>
+          </a:stretch>
+        </p:blipFill>
+        <p:spPr>
+          <a:xfrm>
+            <a:off x="5104765" y="4003675"/>
+            <a:ext cx="3637915" cy="2542540"/>
+          </a:xfrm>
+          <a:prstGeom prst="rect">
+            <a:avLst/>
+          </a:prstGeom>
+          <a:noFill/>
+          <a:ln w="9525">
+            <a:noFill/>
+          </a:ln>
+        </p:spPr>
+      </p:pic>
+      <p:pic>
+        <p:nvPicPr>
+          <p:cNvPr id="106" name="Изображение 105"/>
+          <p:cNvPicPr/>
+          <p:nvPr/>
+        </p:nvPicPr>
+        <p:blipFill>
+          <a:blip r:embed="rId8"/>
+          <a:stretch>
+            <a:fillRect/>
+          </a:stretch>
+        </p:blipFill>
+        <p:spPr>
+          <a:xfrm rot="16200000">
+            <a:off x="637540" y="4100830"/>
+            <a:ext cx="1197610" cy="2347595"/>
+          </a:xfrm>
+          <a:prstGeom prst="rect">
+            <a:avLst/>
+          </a:prstGeom>
+          <a:noFill/>
+          <a:ln w="9525">
+            <a:noFill/>
+          </a:ln>
+        </p:spPr>
+      </p:pic>
+      <p:pic>
+        <p:nvPicPr>
+          <p:cNvPr id="107" name="Изображение 106"/>
+          <p:cNvPicPr/>
+          <p:nvPr/>
+        </p:nvPicPr>
+        <p:blipFill>
+          <a:blip r:embed="rId9"/>
+          <a:stretch>
+            <a:fillRect/>
+          </a:stretch>
+        </p:blipFill>
+        <p:spPr>
+          <a:xfrm>
+            <a:off x="2520950" y="3620770"/>
+            <a:ext cx="2423795" cy="2423795"/>
+          </a:xfrm>
+          <a:prstGeom prst="rect">
+            <a:avLst/>
+          </a:prstGeom>
+          <a:noFill/>
+          <a:ln w="9525">
+            <a:noFill/>
+          </a:ln>
+        </p:spPr>
+      </p:pic>
+      <p:pic>
+        <p:nvPicPr>
+          <p:cNvPr id="109" name="Изображение 108"/>
+          <p:cNvPicPr/>
+          <p:nvPr/>
+        </p:nvPicPr>
+        <p:blipFill>
+          <a:blip r:embed="rId10"/>
+          <a:stretch>
+            <a:fillRect/>
+          </a:stretch>
+        </p:blipFill>
+        <p:spPr>
+          <a:xfrm>
+            <a:off x="8385175" y="201295"/>
+            <a:ext cx="2241550" cy="2241550"/>
+          </a:xfrm>
+          <a:prstGeom prst="rect">
+            <a:avLst/>
+          </a:prstGeom>
+          <a:noFill/>
+          <a:ln w="9525">
+            <a:noFill/>
+          </a:ln>
+        </p:spPr>
+      </p:pic>
+    </p:spTree>
+  </p:cSld>
+  <p:clrMapOvr>
+    <a:masterClrMapping/>
+  </p:clrMapOvr>
+  <p:timing>
+    <p:tnLst>
+      <p:par>
+        <p:cTn id="1" dur="indefinite" restart="never" nodeType="tmRoot"/>
+      </p:par>
+    </p:tnLst>
+  </p:timing>
 </p:sld>
 </file>
 
@@ -3922,7 +4167,14 @@
         <p:cNvGrpSpPr/>
         <p:nvPr/>
       </p:nvGrpSpPr>
-      <p:grpSpPr/>
+      <p:grpSpPr>
+        <a:xfrm>
+          <a:off x="0" y="0"/>
+          <a:ext cx="0" cy="0"/>
+          <a:chOff x="0" y="0"/>
+          <a:chExt cx="0" cy="0"/>
+        </a:xfrm>
+      </p:grpSpPr>
       <p:sp>
         <p:nvSpPr>
           <p:cNvPr id="2" name="Заголовок 1"/>
@@ -3935,259 +4187,122 @@
         </p:nvSpPr>
         <p:spPr>
           <a:xfrm>
-            <a:off x="647700" y="0"/>
-            <a:ext cx="10515600" cy="798830"/>
+            <a:off x="647700" y="635"/>
+            <a:ext cx="10515600" cy="836930"/>
           </a:xfrm>
         </p:spPr>
         <p:txBody>
           <a:bodyPr>
-            <a:normAutofit/>
+            <a:normAutofit fontScale="90000"/>
           </a:bodyPr>
+          <a:lstStyle/>
+          <a:p>
+            <a:r>
+              <a:rPr lang="ru-RU" altLang="ru-RU" dirty="0"/>
+              <a:t>Найдите ошибки в следующих </a:t>
+            </a:r>
+            <a:r>
+              <a:rPr lang="ru-RU" altLang="ru-RU" dirty="0" smtClean="0"/>
+              <a:t>п</a:t>
+            </a:r>
+            <a:r>
+              <a:rPr lang="ru-RU" altLang="ru-RU" dirty="0"/>
+              <a:t>р</a:t>
+            </a:r>
+            <a:r>
+              <a:rPr lang="ru-RU" altLang="ru-RU" dirty="0" smtClean="0"/>
+              <a:t>едложениях</a:t>
+            </a:r>
+            <a:endParaRPr lang="ru-RU" altLang="ru-RU" dirty="0"/>
+          </a:p>
+        </p:txBody>
+      </p:sp>
+      <p:sp>
+        <p:nvSpPr>
+          <p:cNvPr id="3" name="Замещающее содержимое 2"/>
+          <p:cNvSpPr>
+            <a:spLocks noGrp="1"/>
+          </p:cNvSpPr>
+          <p:nvPr>
+            <p:ph idx="1"/>
+          </p:nvPr>
+        </p:nvSpPr>
+        <p:spPr>
+          <a:xfrm>
+            <a:off x="647700" y="1078865"/>
+            <a:ext cx="10515600" cy="5098415"/>
+          </a:xfrm>
+        </p:spPr>
+        <p:txBody>
+          <a:bodyPr>
+            <a:normAutofit fontScale="67500" lnSpcReduction="10000"/>
+          </a:bodyPr>
+          <a:lstStyle/>
           <a:p>
             <a:r>
               <a:rPr lang="ru-RU" altLang="en-US"/>
-              <a:t>Подпишите названия стадий</a:t>
-            </a:r>
+              <a:t>В первичной полости тела трематод находятся многочисленные терминальные клетки протонефридиев.</a:t>
+            </a:r>
+          </a:p>
+          <a:p>
             <a:endParaRPr lang="ru-RU" altLang="en-US"/>
           </a:p>
-        </p:txBody>
-      </p:sp>
-      <p:pic>
-        <p:nvPicPr>
-          <p:cNvPr id="5" name="Изображение 4"/>
-          <p:cNvPicPr>
-            <a:picLocks noChangeAspect="1"/>
-          </p:cNvPicPr>
-          <p:nvPr/>
-        </p:nvPicPr>
-        <p:blipFill>
-          <a:blip r:embed="rId1"/>
-          <a:stretch>
-            <a:fillRect/>
-          </a:stretch>
-        </p:blipFill>
-        <p:spPr>
-          <a:xfrm rot="5400000">
-            <a:off x="-65405" y="2011680"/>
-            <a:ext cx="2992120" cy="1723390"/>
-          </a:xfrm>
-          <a:prstGeom prst="rect">
-            <a:avLst/>
-          </a:prstGeom>
-        </p:spPr>
-      </p:pic>
-      <p:pic>
-        <p:nvPicPr>
-          <p:cNvPr id="100" name="Замещающее содержимое 99"/>
-          <p:cNvPicPr/>
-          <p:nvPr>
-            <p:ph idx="1"/>
-          </p:nvPr>
-        </p:nvPicPr>
-        <p:blipFill>
-          <a:blip r:embed="rId2"/>
-          <a:srcRect t="20035" r="44994" b="3517"/>
-          <a:stretch>
-            <a:fillRect/>
-          </a:stretch>
-        </p:blipFill>
-        <p:spPr>
-          <a:xfrm>
-            <a:off x="2410460" y="1377315"/>
-            <a:ext cx="2969260" cy="1775460"/>
-          </a:xfrm>
-          <a:prstGeom prst="rect">
-            <a:avLst/>
-          </a:prstGeom>
-          <a:noFill/>
-          <a:ln w="9525">
-            <a:noFill/>
-          </a:ln>
-        </p:spPr>
-      </p:pic>
-      <p:pic>
-        <p:nvPicPr>
-          <p:cNvPr id="101" name="Изображение 100"/>
-          <p:cNvPicPr/>
-          <p:nvPr/>
-        </p:nvPicPr>
-        <p:blipFill>
-          <a:blip r:embed="rId3"/>
-          <a:srcRect l="16496" b="46451"/>
-          <a:stretch>
-            <a:fillRect/>
-          </a:stretch>
-        </p:blipFill>
-        <p:spPr>
-          <a:xfrm>
-            <a:off x="8902065" y="5022850"/>
-            <a:ext cx="2375535" cy="1523365"/>
-          </a:xfrm>
-          <a:prstGeom prst="rect">
-            <a:avLst/>
-          </a:prstGeom>
-          <a:noFill/>
-          <a:ln w="9525">
-            <a:noFill/>
-          </a:ln>
-        </p:spPr>
-      </p:pic>
-      <p:pic>
-        <p:nvPicPr>
-          <p:cNvPr id="102" name="Изображение 101"/>
-          <p:cNvPicPr/>
-          <p:nvPr/>
-        </p:nvPicPr>
-        <p:blipFill>
-          <a:blip r:embed="rId4"/>
-          <a:stretch>
-            <a:fillRect/>
-          </a:stretch>
-        </p:blipFill>
-        <p:spPr>
-          <a:xfrm>
-            <a:off x="8835390" y="2540000"/>
-            <a:ext cx="2327910" cy="2327910"/>
-          </a:xfrm>
-          <a:prstGeom prst="rect">
-            <a:avLst/>
-          </a:prstGeom>
-          <a:noFill/>
-          <a:ln w="9525">
-            <a:noFill/>
-          </a:ln>
-        </p:spPr>
-      </p:pic>
-      <p:pic>
-        <p:nvPicPr>
-          <p:cNvPr id="103" name="Изображение 102"/>
-          <p:cNvPicPr/>
-          <p:nvPr/>
-        </p:nvPicPr>
-        <p:blipFill>
-          <a:blip r:embed="rId5"/>
-          <a:stretch>
-            <a:fillRect/>
-          </a:stretch>
-        </p:blipFill>
-        <p:spPr>
-          <a:xfrm>
-            <a:off x="5483225" y="1377315"/>
-            <a:ext cx="2423795" cy="2423795"/>
-          </a:xfrm>
-          <a:prstGeom prst="rect">
-            <a:avLst/>
-          </a:prstGeom>
-          <a:noFill/>
-          <a:ln w="9525">
-            <a:noFill/>
-          </a:ln>
-        </p:spPr>
-      </p:pic>
-      <p:pic>
-        <p:nvPicPr>
-          <p:cNvPr id="105" name="Изображение 104"/>
-          <p:cNvPicPr/>
-          <p:nvPr/>
-        </p:nvPicPr>
-        <p:blipFill>
-          <a:blip r:embed="rId6"/>
-          <a:stretch>
-            <a:fillRect/>
-          </a:stretch>
-        </p:blipFill>
-        <p:spPr>
-          <a:xfrm>
-            <a:off x="5104765" y="4003675"/>
-            <a:ext cx="3637915" cy="2542540"/>
-          </a:xfrm>
-          <a:prstGeom prst="rect">
-            <a:avLst/>
-          </a:prstGeom>
-          <a:noFill/>
-          <a:ln w="9525">
-            <a:noFill/>
-          </a:ln>
-        </p:spPr>
-      </p:pic>
-      <p:pic>
-        <p:nvPicPr>
-          <p:cNvPr id="106" name="Изображение 105"/>
-          <p:cNvPicPr/>
-          <p:nvPr/>
-        </p:nvPicPr>
-        <p:blipFill>
-          <a:blip r:embed="rId7"/>
-          <a:stretch>
-            <a:fillRect/>
-          </a:stretch>
-        </p:blipFill>
-        <p:spPr>
-          <a:xfrm rot="16200000">
-            <a:off x="637540" y="4100830"/>
-            <a:ext cx="1197610" cy="2347595"/>
-          </a:xfrm>
-          <a:prstGeom prst="rect">
-            <a:avLst/>
-          </a:prstGeom>
-          <a:noFill/>
-          <a:ln w="9525">
-            <a:noFill/>
-          </a:ln>
-        </p:spPr>
-      </p:pic>
-      <p:pic>
-        <p:nvPicPr>
-          <p:cNvPr id="107" name="Изображение 106"/>
-          <p:cNvPicPr/>
-          <p:nvPr/>
-        </p:nvPicPr>
-        <p:blipFill>
-          <a:blip r:embed="rId8"/>
-          <a:stretch>
-            <a:fillRect/>
-          </a:stretch>
-        </p:blipFill>
-        <p:spPr>
-          <a:xfrm>
-            <a:off x="2520950" y="3620770"/>
-            <a:ext cx="2423795" cy="2423795"/>
-          </a:xfrm>
-          <a:prstGeom prst="rect">
-            <a:avLst/>
-          </a:prstGeom>
-          <a:noFill/>
-          <a:ln w="9525">
-            <a:noFill/>
-          </a:ln>
-        </p:spPr>
-      </p:pic>
-      <p:pic>
-        <p:nvPicPr>
-          <p:cNvPr id="109" name="Изображение 108"/>
-          <p:cNvPicPr/>
-          <p:nvPr/>
-        </p:nvPicPr>
-        <p:blipFill>
-          <a:blip r:embed="rId9"/>
-          <a:stretch>
-            <a:fillRect/>
-          </a:stretch>
-        </p:blipFill>
-        <p:spPr>
-          <a:xfrm>
-            <a:off x="8385175" y="201295"/>
-            <a:ext cx="2241550" cy="2241550"/>
-          </a:xfrm>
-          <a:prstGeom prst="rect">
-            <a:avLst/>
-          </a:prstGeom>
-          <a:noFill/>
-          <a:ln w="9525">
-            <a:noFill/>
-          </a:ln>
-        </p:spPr>
-      </p:pic>
+          <a:p>
+            <a:r>
+              <a:rPr lang="ru-RU" altLang="en-US"/>
+              <a:t>После того как церкария внедряется в тело моллюска она превращается в материнскую спороцисту.</a:t>
+            </a:r>
+          </a:p>
+          <a:p>
+            <a:endParaRPr lang="ru-RU" altLang="en-US"/>
+          </a:p>
+          <a:p>
+            <a:r>
+              <a:rPr lang="ru-RU" altLang="en-US"/>
+              <a:t>В теле мирацидия имеются немногочисленные протонефридии.</a:t>
+            </a:r>
+          </a:p>
+          <a:p>
+            <a:endParaRPr lang="ru-RU" altLang="en-US"/>
+          </a:p>
+          <a:p>
+            <a:r>
+              <a:rPr lang="ru-RU" altLang="en-US"/>
+              <a:t>В погруженном эпителии турбеллярий представлен синцитий, состоящий из ресничных клеток. </a:t>
+            </a:r>
+          </a:p>
+          <a:p>
+            <a:endParaRPr lang="ru-RU" altLang="en-US"/>
+          </a:p>
+          <a:p>
+            <a:r>
+              <a:rPr lang="ru-RU" altLang="en-US"/>
+              <a:t>Пищеварительная система цестод состоит представлена видоизмененными каналами протонефридий.</a:t>
+            </a:r>
+          </a:p>
+          <a:p>
+            <a:endParaRPr lang="ru-RU" altLang="en-US"/>
+          </a:p>
+          <a:p>
+            <a:r>
+              <a:rPr lang="ru-RU" altLang="en-US"/>
+              <a:t>В теле трематод можно наблюдать элементы метамерии.</a:t>
+            </a:r>
+          </a:p>
+          <a:p>
+            <a:endParaRPr lang="ru-RU" altLang="en-US"/>
+          </a:p>
+          <a:p>
+            <a:r>
+              <a:rPr lang="ru-RU" altLang="en-US"/>
+              <a:t>В жизненном цикле трематод обязательно представлена стадия церкарии</a:t>
+            </a:r>
+          </a:p>
+          <a:p>
+            <a:endParaRPr lang="ru-RU" altLang="en-US"/>
+          </a:p>
+        </p:txBody>
+      </p:sp>
     </p:spTree>
   </p:cSld>
   <p:clrMapOvr>
@@ -4205,7 +4320,14 @@
         <p:cNvGrpSpPr/>
         <p:nvPr/>
       </p:nvGrpSpPr>
-      <p:grpSpPr/>
+      <p:grpSpPr>
+        <a:xfrm>
+          <a:off x="0" y="0"/>
+          <a:ext cx="0" cy="0"/>
+          <a:chOff x="0" y="0"/>
+          <a:chExt cx="0" cy="0"/>
+        </a:xfrm>
+      </p:grpSpPr>
       <p:sp>
         <p:nvSpPr>
           <p:cNvPr id="2" name="Заголовок 1"/>
@@ -4218,111 +4340,91 @@
         </p:nvSpPr>
         <p:spPr>
           <a:xfrm>
-            <a:off x="647700" y="635"/>
-            <a:ext cx="10515600" cy="836930"/>
+            <a:off x="647700" y="258445"/>
+            <a:ext cx="10515600" cy="636270"/>
           </a:xfrm>
         </p:spPr>
         <p:txBody>
           <a:bodyPr>
             <a:normAutofit fontScale="90000"/>
           </a:bodyPr>
-          <a:p>
-            <a:r>
-              <a:rPr lang="ru-RU" altLang="ru-RU"/>
-              <a:t>Найдите ошибки в следующих педложениях</a:t>
-            </a:r>
-            <a:endParaRPr lang="ru-RU" altLang="ru-RU"/>
-          </a:p>
-        </p:txBody>
-      </p:sp>
-      <p:sp>
-        <p:nvSpPr>
-          <p:cNvPr id="3" name="Замещающее содержимое 2"/>
-          <p:cNvSpPr>
-            <a:spLocks noGrp="1"/>
-          </p:cNvSpPr>
+          <a:lstStyle/>
+          <a:p>
+            <a:r>
+              <a:rPr lang="ru-RU" altLang="en-US"/>
+              <a:t>Чей это жизненный цикл?</a:t>
+            </a:r>
+          </a:p>
+        </p:txBody>
+      </p:sp>
+      <p:pic>
+        <p:nvPicPr>
+          <p:cNvPr id="4" name="Замещающее содержимое 3"/>
+          <p:cNvPicPr>
+            <a:picLocks noGrp="1" noChangeAspect="1"/>
+          </p:cNvPicPr>
           <p:nvPr>
             <p:ph idx="1"/>
           </p:nvPr>
-        </p:nvSpPr>
-        <p:spPr>
-          <a:xfrm>
-            <a:off x="647700" y="1078865"/>
-            <a:ext cx="10515600" cy="5098415"/>
-          </a:xfrm>
-        </p:spPr>
-        <p:txBody>
-          <a:bodyPr>
-            <a:normAutofit fontScale="60000"/>
-          </a:bodyPr>
-          <a:p>
-            <a:r>
-              <a:rPr lang="ru-RU" altLang="en-US"/>
-              <a:t>В первичной полости тела трематод находятся многочисленные терминальные клетки протонефридиев.</a:t>
-            </a:r>
-            <a:endParaRPr lang="ru-RU" altLang="en-US"/>
-          </a:p>
-          <a:p>
-            <a:endParaRPr lang="ru-RU" altLang="en-US"/>
-          </a:p>
-          <a:p>
-            <a:r>
-              <a:rPr lang="ru-RU" altLang="en-US"/>
-              <a:t>После того как церкария внедряется в тело моллюска она превращается в материнскую спороцисту.</a:t>
-            </a:r>
-            <a:endParaRPr lang="ru-RU" altLang="en-US"/>
-          </a:p>
-          <a:p>
-            <a:endParaRPr lang="ru-RU" altLang="en-US"/>
-          </a:p>
-          <a:p>
-            <a:r>
-              <a:rPr lang="ru-RU" altLang="en-US"/>
-              <a:t>В теле мирацидия имеются немногочисленные протонефридии.</a:t>
-            </a:r>
-            <a:endParaRPr lang="ru-RU" altLang="en-US"/>
-          </a:p>
-          <a:p>
-            <a:endParaRPr lang="ru-RU" altLang="en-US"/>
-          </a:p>
-          <a:p>
-            <a:r>
-              <a:rPr lang="ru-RU" altLang="en-US"/>
-              <a:t>В погруженном эпителии турбеллярий представлен синцитий, состоящий из ресничных клеток. </a:t>
-            </a:r>
-            <a:endParaRPr lang="ru-RU" altLang="en-US"/>
-          </a:p>
-          <a:p>
-            <a:endParaRPr lang="ru-RU" altLang="en-US"/>
-          </a:p>
-          <a:p>
-            <a:r>
-              <a:rPr lang="ru-RU" altLang="en-US"/>
-              <a:t>Пищеварительная система цестод состоит представлена видоизмененными каналами протонефридий.</a:t>
-            </a:r>
-            <a:endParaRPr lang="ru-RU" altLang="en-US"/>
-          </a:p>
-          <a:p>
-            <a:endParaRPr lang="ru-RU" altLang="en-US"/>
-          </a:p>
-          <a:p>
-            <a:r>
-              <a:rPr lang="ru-RU" altLang="en-US"/>
-              <a:t>В теле трематод можно наблюдать элементы метамерии.</a:t>
-            </a:r>
-            <a:endParaRPr lang="ru-RU" altLang="en-US"/>
-          </a:p>
-          <a:p>
-            <a:endParaRPr lang="ru-RU" altLang="en-US"/>
-          </a:p>
-          <a:p>
-            <a:r>
-              <a:rPr lang="ru-RU" altLang="en-US"/>
-              <a:t>В жизненном цикле трематод обязательно представлена стадия церкарии</a:t>
-            </a:r>
-            <a:endParaRPr lang="ru-RU" altLang="en-US"/>
-          </a:p>
-          <a:p>
+        </p:nvPicPr>
+        <p:blipFill>
+          <a:blip r:embed="rId2"/>
+          <a:stretch>
+            <a:fillRect/>
+          </a:stretch>
+        </p:blipFill>
+        <p:spPr>
+          <a:xfrm>
+            <a:off x="2602865" y="1309370"/>
+            <a:ext cx="6425565" cy="5054600"/>
+          </a:xfrm>
+          <a:prstGeom prst="rect">
+            <a:avLst/>
+          </a:prstGeom>
+        </p:spPr>
+      </p:pic>
+      <p:sp>
+        <p:nvSpPr>
+          <p:cNvPr id="5" name="Прямоугольник 4"/>
+          <p:cNvSpPr/>
+          <p:nvPr/>
+        </p:nvSpPr>
+        <p:spPr>
+          <a:xfrm>
+            <a:off x="7127240" y="1268730"/>
+            <a:ext cx="2576195" cy="804545"/>
+          </a:xfrm>
+          <a:prstGeom prst="rect">
+            <a:avLst/>
+          </a:prstGeom>
+          <a:solidFill>
+            <a:schemeClr val="bg1"/>
+          </a:solidFill>
+          <a:ln>
+            <a:noFill/>
+          </a:ln>
+        </p:spPr>
+        <p:style>
+          <a:lnRef idx="2">
+            <a:schemeClr val="accent1">
+              <a:shade val="50000"/>
+            </a:schemeClr>
+          </a:lnRef>
+          <a:fillRef idx="1">
+            <a:schemeClr val="accent1"/>
+          </a:fillRef>
+          <a:effectRef idx="0">
+            <a:schemeClr val="accent1"/>
+          </a:effectRef>
+          <a:fontRef idx="minor">
+            <a:schemeClr val="lt1"/>
+          </a:fontRef>
+        </p:style>
+        <p:txBody>
+          <a:bodyPr rtlCol="0" anchor="ctr"/>
+          <a:lstStyle/>
+          <a:p>
+            <a:pPr algn="ctr"/>
             <a:endParaRPr lang="ru-RU" altLang="en-US"/>
           </a:p>
         </p:txBody>
@@ -4344,56 +4446,34 @@
         <p:cNvGrpSpPr/>
         <p:nvPr/>
       </p:nvGrpSpPr>
-      <p:grpSpPr/>
-      <p:sp>
-        <p:nvSpPr>
-          <p:cNvPr id="2" name="Заголовок 1"/>
-          <p:cNvSpPr>
-            <a:spLocks noGrp="1"/>
-          </p:cNvSpPr>
-          <p:nvPr>
-            <p:ph type="title"/>
-          </p:nvPr>
-        </p:nvSpPr>
-        <p:spPr>
-          <a:xfrm>
-            <a:off x="647700" y="258445"/>
-            <a:ext cx="10515600" cy="636270"/>
-          </a:xfrm>
-        </p:spPr>
-        <p:txBody>
-          <a:bodyPr>
-            <a:normAutofit fontScale="90000"/>
-          </a:bodyPr>
-          <a:p>
-            <a:r>
-              <a:rPr lang="ru-RU" altLang="en-US"/>
-              <a:t>Чей это жизненный цикл?</a:t>
-            </a:r>
-            <a:endParaRPr lang="ru-RU" altLang="en-US"/>
-          </a:p>
-        </p:txBody>
-      </p:sp>
+      <p:grpSpPr>
+        <a:xfrm>
+          <a:off x="0" y="0"/>
+          <a:ext cx="0" cy="0"/>
+          <a:chOff x="0" y="0"/>
+          <a:chExt cx="0" cy="0"/>
+        </a:xfrm>
+      </p:grpSpPr>
       <p:pic>
         <p:nvPicPr>
-          <p:cNvPr id="4" name="Замещающее содержимое 3"/>
+          <p:cNvPr id="3" name="Замещающее содержимое 2"/>
           <p:cNvPicPr>
-            <a:picLocks noChangeAspect="1"/>
+            <a:picLocks noGrp="1" noChangeAspect="1"/>
           </p:cNvPicPr>
           <p:nvPr>
-            <p:ph idx="1"/>
+            <p:ph sz="quarter" idx="13"/>
           </p:nvPr>
         </p:nvPicPr>
         <p:blipFill>
-          <a:blip r:embed="rId1"/>
+          <a:blip r:embed="rId2"/>
           <a:stretch>
             <a:fillRect/>
           </a:stretch>
         </p:blipFill>
         <p:spPr>
           <a:xfrm>
-            <a:off x="2602865" y="1309370"/>
-            <a:ext cx="6425565" cy="5054600"/>
+            <a:off x="1386840" y="1367155"/>
+            <a:ext cx="6381750" cy="5054600"/>
           </a:xfrm>
           <a:prstGeom prst="rect">
             <a:avLst/>
@@ -4402,14 +4482,43 @@
       </p:pic>
       <p:sp>
         <p:nvSpPr>
+          <p:cNvPr id="4" name="Заголовок 3"/>
+          <p:cNvSpPr>
+            <a:spLocks noGrp="1"/>
+          </p:cNvSpPr>
+          <p:nvPr>
+            <p:ph type="title"/>
+          </p:nvPr>
+        </p:nvSpPr>
+        <p:spPr>
+          <a:xfrm>
+            <a:off x="647700" y="258445"/>
+            <a:ext cx="10515600" cy="636270"/>
+          </a:xfrm>
+        </p:spPr>
+        <p:txBody>
+          <a:bodyPr>
+            <a:normAutofit fontScale="90000"/>
+          </a:bodyPr>
+          <a:lstStyle/>
+          <a:p>
+            <a:r>
+              <a:rPr lang="ru-RU" altLang="en-US"/>
+              <a:t>Чей это жизненный цикл? Кого здесь не хватает?</a:t>
+            </a:r>
+          </a:p>
+        </p:txBody>
+      </p:sp>
+      <p:sp>
+        <p:nvSpPr>
           <p:cNvPr id="5" name="Прямоугольник 4"/>
           <p:cNvSpPr/>
           <p:nvPr/>
         </p:nvSpPr>
         <p:spPr>
           <a:xfrm>
-            <a:off x="7127240" y="1268730"/>
-            <a:ext cx="2576195" cy="804545"/>
+            <a:off x="4806950" y="4014470"/>
+            <a:ext cx="2257425" cy="1113155"/>
           </a:xfrm>
           <a:prstGeom prst="rect">
             <a:avLst/>
@@ -4439,6 +4548,7 @@
         </p:style>
         <p:txBody>
           <a:bodyPr rtlCol="0" anchor="ctr"/>
+          <a:lstStyle/>
           <a:p>
             <a:pPr algn="ctr"/>
             <a:endParaRPr lang="ru-RU" altLang="en-US"/>
@@ -4462,145 +4572,34 @@
         <p:cNvGrpSpPr/>
         <p:nvPr/>
       </p:nvGrpSpPr>
-      <p:grpSpPr/>
-      <p:pic>
-        <p:nvPicPr>
-          <p:cNvPr id="3" name="Замещающее содержимое 2"/>
-          <p:cNvPicPr>
-            <a:picLocks noChangeAspect="1"/>
-          </p:cNvPicPr>
-          <p:nvPr>
-            <p:ph sz="quarter" idx="13"/>
-          </p:nvPr>
-        </p:nvPicPr>
-        <p:blipFill>
-          <a:blip r:embed="rId1"/>
-          <a:stretch>
-            <a:fillRect/>
-          </a:stretch>
-        </p:blipFill>
-        <p:spPr>
-          <a:xfrm>
-            <a:off x="1386840" y="1367155"/>
-            <a:ext cx="6381750" cy="5054600"/>
+      <p:grpSpPr>
+        <a:xfrm>
+          <a:off x="0" y="0"/>
+          <a:ext cx="0" cy="0"/>
+          <a:chOff x="0" y="0"/>
+          <a:chExt cx="0" cy="0"/>
+        </a:xfrm>
+      </p:grpSpPr>
+      <p:sp>
+        <p:nvSpPr>
+          <p:cNvPr id="4" name="Заголовок 1"/>
+          <p:cNvSpPr>
+            <a:spLocks noGrp="1"/>
+          </p:cNvSpPr>
+          <p:nvPr/>
+        </p:nvSpPr>
+        <p:spPr>
+          <a:xfrm>
+            <a:off x="647700" y="258445"/>
+            <a:ext cx="10515600" cy="636270"/>
           </a:xfrm>
           <a:prstGeom prst="rect">
             <a:avLst/>
           </a:prstGeom>
         </p:spPr>
-      </p:pic>
-      <p:sp>
-        <p:nvSpPr>
-          <p:cNvPr id="4" name="Заголовок 3"/>
-          <p:cNvSpPr>
-            <a:spLocks noGrp="1"/>
-          </p:cNvSpPr>
-          <p:nvPr>
-            <p:ph type="title"/>
-          </p:nvPr>
-        </p:nvSpPr>
-        <p:spPr>
-          <a:xfrm>
-            <a:off x="647700" y="258445"/>
-            <a:ext cx="10515600" cy="636270"/>
-          </a:xfrm>
-        </p:spPr>
-        <p:txBody>
-          <a:bodyPr>
-            <a:normAutofit fontScale="90000"/>
-          </a:bodyPr>
-          <a:p>
-            <a:r>
-              <a:rPr lang="ru-RU" altLang="en-US"/>
-              <a:t>Чей это жизненный цикл? Кого здесь не хватает?</a:t>
-            </a:r>
-            <a:endParaRPr lang="ru-RU" altLang="en-US"/>
-          </a:p>
-        </p:txBody>
-      </p:sp>
-      <p:sp>
-        <p:nvSpPr>
-          <p:cNvPr id="5" name="Прямоугольник 4"/>
-          <p:cNvSpPr/>
-          <p:nvPr/>
-        </p:nvSpPr>
-        <p:spPr>
-          <a:xfrm>
-            <a:off x="4806950" y="4014470"/>
-            <a:ext cx="2257425" cy="1113155"/>
-          </a:xfrm>
-          <a:prstGeom prst="rect">
-            <a:avLst/>
-          </a:prstGeom>
-          <a:solidFill>
-            <a:schemeClr val="bg1"/>
-          </a:solidFill>
-          <a:ln>
-            <a:noFill/>
-          </a:ln>
-        </p:spPr>
-        <p:style>
-          <a:lnRef idx="2">
-            <a:schemeClr val="accent1">
-              <a:shade val="50000"/>
-            </a:schemeClr>
-          </a:lnRef>
-          <a:fillRef idx="1">
-            <a:schemeClr val="accent1"/>
-          </a:fillRef>
-          <a:effectRef idx="0">
-            <a:schemeClr val="accent1"/>
-          </a:effectRef>
-          <a:fontRef idx="minor">
-            <a:schemeClr val="lt1"/>
-          </a:fontRef>
-        </p:style>
-        <p:txBody>
-          <a:bodyPr rtlCol="0" anchor="ctr"/>
-          <a:p>
-            <a:pPr algn="ctr"/>
-            <a:endParaRPr lang="ru-RU" altLang="en-US"/>
-          </a:p>
-        </p:txBody>
-      </p:sp>
-    </p:spTree>
-  </p:cSld>
-  <p:clrMapOvr>
-    <a:masterClrMapping/>
-  </p:clrMapOvr>
-</p:sld>
-</file>
-
-<file path=ppt/slides/slide7.xml><?xml version="1.0" encoding="utf-8"?>
-<p:sld xmlns:a="http://schemas.openxmlformats.org/drawingml/2006/main" xmlns:r="http://schemas.openxmlformats.org/officeDocument/2006/relationships" xmlns:p="http://schemas.openxmlformats.org/presentationml/2006/main">
-  <p:cSld>
-    <p:spTree>
-      <p:nvGrpSpPr>
-        <p:cNvPr id="1" name=""/>
-        <p:cNvGrpSpPr/>
-        <p:nvPr/>
-      </p:nvGrpSpPr>
-      <p:grpSpPr/>
-      <p:sp>
-        <p:nvSpPr>
-          <p:cNvPr id="4" name="Заголовок 1"/>
-          <p:cNvSpPr>
-            <a:spLocks noGrp="1"/>
-          </p:cNvSpPr>
-          <p:nvPr/>
-        </p:nvSpPr>
-        <p:spPr>
-          <a:xfrm>
-            <a:off x="647700" y="258445"/>
-            <a:ext cx="10515600" cy="636270"/>
-          </a:xfrm>
-          <a:prstGeom prst="rect">
-            <a:avLst/>
-          </a:prstGeom>
-        </p:spPr>
         <p:txBody>
           <a:bodyPr vert="horz" lIns="91440" tIns="45720" rIns="91440" bIns="45720" rtlCol="0" anchor="ctr" anchorCtr="0">
-            <a:normAutofit fontScale="80000"/>
+            <a:normAutofit fontScale="95000" lnSpcReduction="10000"/>
           </a:bodyPr>
           <a:lstStyle>
             <a:lvl1pPr algn="l" defTabSz="914400" rtl="0" eaLnBrk="1" latinLnBrk="0" hangingPunct="1">
@@ -4627,7 +4626,6 @@
               <a:rPr lang="ru-RU" altLang="en-US"/>
               <a:t>Чей это жизненный цикл?</a:t>
             </a:r>
-            <a:endParaRPr lang="ru-RU" altLang="en-US"/>
           </a:p>
         </p:txBody>
       </p:sp>
@@ -4635,14 +4633,14 @@
         <p:nvPicPr>
           <p:cNvPr id="5" name="Замещающее содержимое 4"/>
           <p:cNvPicPr>
-            <a:picLocks noChangeAspect="1"/>
+            <a:picLocks noGrp="1" noChangeAspect="1"/>
           </p:cNvPicPr>
           <p:nvPr>
             <p:ph sz="quarter" idx="13"/>
           </p:nvPr>
         </p:nvPicPr>
         <p:blipFill>
-          <a:blip r:embed="rId1"/>
+          <a:blip r:embed="rId2"/>
           <a:stretch>
             <a:fillRect/>
           </a:stretch>
@@ -4696,6 +4694,7 @@
         </p:style>
         <p:txBody>
           <a:bodyPr rtlCol="0" anchor="ctr"/>
+          <a:lstStyle/>
           <a:p>
             <a:pPr algn="ctr"/>
             <a:endParaRPr lang="ru-RU" altLang="en-US"/>
@@ -4741,6 +4740,7 @@
         </p:style>
         <p:txBody>
           <a:bodyPr rtlCol="0" anchor="ctr"/>
+          <a:lstStyle/>
           <a:p>
             <a:pPr algn="ctr"/>
             <a:endParaRPr lang="ru-RU" altLang="en-US"/>
@@ -4786,6 +4786,7 @@
         </p:style>
         <p:txBody>
           <a:bodyPr rtlCol="0" anchor="ctr"/>
+          <a:lstStyle/>
           <a:p>
             <a:pPr algn="ctr"/>
             <a:endParaRPr lang="ru-RU" altLang="en-US"/>
@@ -4831,6 +4832,7 @@
         </p:style>
         <p:txBody>
           <a:bodyPr rtlCol="0" anchor="ctr"/>
+          <a:lstStyle/>
           <a:p>
             <a:pPr algn="ctr"/>
             <a:endParaRPr lang="ru-RU" altLang="en-US"/>
@@ -4876,6 +4878,7 @@
         </p:style>
         <p:txBody>
           <a:bodyPr rtlCol="0" anchor="ctr"/>
+          <a:lstStyle/>
           <a:p>
             <a:pPr algn="ctr"/>
             <a:endParaRPr lang="ru-RU" altLang="en-US"/>
@@ -4921,6 +4924,7 @@
         </p:style>
         <p:txBody>
           <a:bodyPr rtlCol="0" anchor="ctr"/>
+          <a:lstStyle/>
           <a:p>
             <a:pPr algn="ctr"/>
             <a:endParaRPr lang="ru-RU" altLang="en-US"/>
@@ -4966,6 +4970,7 @@
         </p:style>
         <p:txBody>
           <a:bodyPr rtlCol="0" anchor="ctr"/>
+          <a:lstStyle/>
           <a:p>
             <a:pPr algn="ctr"/>
             <a:endParaRPr lang="ru-RU" altLang="en-US"/>
@@ -4980,7 +4985,7 @@
 </p:sld>
 </file>
 
-<file path=ppt/slides/slide8.xml><?xml version="1.0" encoding="utf-8"?>
+<file path=ppt/slides/slide7.xml><?xml version="1.0" encoding="utf-8"?>
 <p:sld xmlns:a="http://schemas.openxmlformats.org/drawingml/2006/main" xmlns:r="http://schemas.openxmlformats.org/officeDocument/2006/relationships" xmlns:p="http://schemas.openxmlformats.org/presentationml/2006/main">
   <p:cSld>
     <p:spTree>
@@ -4989,7 +4994,14 @@
         <p:cNvGrpSpPr/>
         <p:nvPr/>
       </p:nvGrpSpPr>
-      <p:grpSpPr/>
+      <p:grpSpPr>
+        <a:xfrm>
+          <a:off x="0" y="0"/>
+          <a:ext cx="0" cy="0"/>
+          <a:chOff x="0" y="0"/>
+          <a:chExt cx="0" cy="0"/>
+        </a:xfrm>
+      </p:grpSpPr>
       <p:pic>
         <p:nvPicPr>
           <p:cNvPr id="110" name="Изображение 109"/>
@@ -4997,7 +5009,7 @@
           <p:nvPr/>
         </p:nvPicPr>
         <p:blipFill>
-          <a:blip r:embed="rId1"/>
+          <a:blip r:embed="rId2"/>
           <a:stretch>
             <a:fillRect/>
           </a:stretch>
@@ -5055,6 +5067,7 @@
         </p:style>
         <p:txBody>
           <a:bodyPr rtlCol="0" anchor="ctr"/>
+          <a:lstStyle/>
           <a:p>
             <a:pPr algn="ctr"/>
             <a:endParaRPr lang="ru-RU" altLang="en-US"/>
@@ -5100,6 +5113,7 @@
         </p:style>
         <p:txBody>
           <a:bodyPr rtlCol="0" anchor="ctr"/>
+          <a:lstStyle/>
           <a:p>
             <a:pPr algn="ctr"/>
             <a:endParaRPr lang="ru-RU" altLang="en-US"/>
@@ -5125,7 +5139,7 @@
         </p:spPr>
         <p:txBody>
           <a:bodyPr vert="horz" lIns="91440" tIns="45720" rIns="91440" bIns="45720" rtlCol="0" anchor="ctr" anchorCtr="0">
-            <a:normAutofit fontScale="80000"/>
+            <a:normAutofit fontScale="95000" lnSpcReduction="10000"/>
           </a:bodyPr>
           <a:lstStyle>
             <a:lvl1pPr algn="l" defTabSz="914400" rtl="0" eaLnBrk="1" latinLnBrk="0" hangingPunct="1">
@@ -5152,7 +5166,6 @@
               <a:rPr lang="ru-RU" altLang="en-US"/>
               <a:t>Чей это жизненный цикл?</a:t>
             </a:r>
-            <a:endParaRPr lang="ru-RU" altLang="en-US"/>
           </a:p>
         </p:txBody>
       </p:sp>
@@ -5195,6 +5208,7 @@
         </p:style>
         <p:txBody>
           <a:bodyPr rtlCol="0" anchor="ctr"/>
+          <a:lstStyle/>
           <a:p>
             <a:pPr algn="ctr"/>
             <a:endParaRPr lang="ru-RU" altLang="en-US"/>
@@ -5460,6 +5474,8 @@
       </a:bgFillStyleLst>
     </a:fmtScheme>
   </a:themeElements>
+  <a:objectDefaults/>
+  <a:extraClrSchemeLst/>
   <a:extLst>
     <a:ext uri="{05A4C25C-085E-4340-85A3-A5531E510DB2}">
       <thm15:themeFamily xmlns:thm15="http://schemas.microsoft.com/office/thememl/2012/main" name="Office Theme" id="{62F939B6-93AF-4DB8-9C6B-D6C7DFDC589F}" vid="{4A3C46E8-61CC-4603-A589-7422A47A8E4A}"/>
@@ -5719,6 +5735,8 @@
       </a:bgFillStyleLst>
     </a:fmtScheme>
   </a:themeElements>
+  <a:objectDefaults/>
+  <a:extraClrSchemeLst/>
   <a:extLst>
     <a:ext uri="{05A4C25C-085E-4340-85A3-A5531E510DB2}">
       <thm15:themeFamily xmlns:thm15="http://schemas.microsoft.com/office/thememl/2012/main" name="Office Theme" id="{62F939B6-93AF-4DB8-9C6B-D6C7DFDC589F}" vid="{4A3C46E8-61CC-4603-A589-7422A47A8E4A}"/>
@@ -5978,6 +5996,8 @@
       </a:bgFillStyleLst>
     </a:fmtScheme>
   </a:themeElements>
+  <a:objectDefaults/>
+  <a:extraClrSchemeLst/>
   <a:extLst>
     <a:ext uri="{05A4C25C-085E-4340-85A3-A5531E510DB2}">
       <thm15:themeFamily xmlns:thm15="http://schemas.microsoft.com/office/thememl/2012/main" name="Office Theme" id="{62F939B6-93AF-4DB8-9C6B-D6C7DFDC589F}" vid="{4A3C46E8-61CC-4603-A589-7422A47A8E4A}"/>
